--- a/matrix.pptx
+++ b/matrix.pptx
@@ -218,7 +218,7 @@
           <a:p>
             <a:fld id="{BD41B091-4048-4360-B068-4E4D44CFBA3C}" type="datetimeFigureOut">
               <a:rPr lang="pt-BR" smtClean="0"/>
-              <a:t>22/11/2016</a:t>
+              <a:t>24/11/2016</a:t>
             </a:fld>
             <a:endParaRPr lang="pt-BR"/>
           </a:p>
@@ -3599,7 +3599,7 @@
           <a:p>
             <a:fld id="{97326E4E-32F9-4E97-B129-1BFE62BDDD40}" type="datetimeFigureOut">
               <a:rPr lang="pt-BR" smtClean="0"/>
-              <a:t>22/11/2016</a:t>
+              <a:t>24/11/2016</a:t>
             </a:fld>
             <a:endParaRPr lang="pt-BR"/>
           </a:p>
@@ -3769,7 +3769,7 @@
           <a:p>
             <a:fld id="{97326E4E-32F9-4E97-B129-1BFE62BDDD40}" type="datetimeFigureOut">
               <a:rPr lang="pt-BR" smtClean="0"/>
-              <a:t>22/11/2016</a:t>
+              <a:t>24/11/2016</a:t>
             </a:fld>
             <a:endParaRPr lang="pt-BR"/>
           </a:p>
@@ -3949,7 +3949,7 @@
           <a:p>
             <a:fld id="{97326E4E-32F9-4E97-B129-1BFE62BDDD40}" type="datetimeFigureOut">
               <a:rPr lang="pt-BR" smtClean="0"/>
-              <a:t>22/11/2016</a:t>
+              <a:t>24/11/2016</a:t>
             </a:fld>
             <a:endParaRPr lang="pt-BR"/>
           </a:p>
@@ -4119,7 +4119,7 @@
           <a:p>
             <a:fld id="{97326E4E-32F9-4E97-B129-1BFE62BDDD40}" type="datetimeFigureOut">
               <a:rPr lang="pt-BR" smtClean="0"/>
-              <a:t>22/11/2016</a:t>
+              <a:t>24/11/2016</a:t>
             </a:fld>
             <a:endParaRPr lang="pt-BR"/>
           </a:p>
@@ -4370,7 +4370,7 @@
           <a:p>
             <a:fld id="{97326E4E-32F9-4E97-B129-1BFE62BDDD40}" type="datetimeFigureOut">
               <a:rPr lang="pt-BR" smtClean="0"/>
-              <a:t>22/11/2016</a:t>
+              <a:t>24/11/2016</a:t>
             </a:fld>
             <a:endParaRPr lang="pt-BR"/>
           </a:p>
@@ -4602,7 +4602,7 @@
           <a:p>
             <a:fld id="{97326E4E-32F9-4E97-B129-1BFE62BDDD40}" type="datetimeFigureOut">
               <a:rPr lang="pt-BR" smtClean="0"/>
-              <a:t>22/11/2016</a:t>
+              <a:t>24/11/2016</a:t>
             </a:fld>
             <a:endParaRPr lang="pt-BR"/>
           </a:p>
@@ -4949,7 +4949,7 @@
           <a:p>
             <a:fld id="{97326E4E-32F9-4E97-B129-1BFE62BDDD40}" type="datetimeFigureOut">
               <a:rPr lang="pt-BR" smtClean="0"/>
-              <a:t>22/11/2016</a:t>
+              <a:t>24/11/2016</a:t>
             </a:fld>
             <a:endParaRPr lang="pt-BR"/>
           </a:p>
@@ -5067,7 +5067,7 @@
           <a:p>
             <a:fld id="{97326E4E-32F9-4E97-B129-1BFE62BDDD40}" type="datetimeFigureOut">
               <a:rPr lang="pt-BR" smtClean="0"/>
-              <a:t>22/11/2016</a:t>
+              <a:t>24/11/2016</a:t>
             </a:fld>
             <a:endParaRPr lang="pt-BR"/>
           </a:p>
@@ -5185,7 +5185,7 @@
           <a:p>
             <a:fld id="{97326E4E-32F9-4E97-B129-1BFE62BDDD40}" type="datetimeFigureOut">
               <a:rPr lang="pt-BR" smtClean="0"/>
-              <a:t>22/11/2016</a:t>
+              <a:t>24/11/2016</a:t>
             </a:fld>
             <a:endParaRPr lang="pt-BR"/>
           </a:p>
@@ -5469,7 +5469,7 @@
           <a:p>
             <a:fld id="{97326E4E-32F9-4E97-B129-1BFE62BDDD40}" type="datetimeFigureOut">
               <a:rPr lang="pt-BR" smtClean="0"/>
-              <a:t>22/11/2016</a:t>
+              <a:t>24/11/2016</a:t>
             </a:fld>
             <a:endParaRPr lang="pt-BR"/>
           </a:p>
@@ -5733,7 +5733,7 @@
           <a:p>
             <a:fld id="{97326E4E-32F9-4E97-B129-1BFE62BDDD40}" type="datetimeFigureOut">
               <a:rPr lang="pt-BR" smtClean="0"/>
-              <a:t>22/11/2016</a:t>
+              <a:t>24/11/2016</a:t>
             </a:fld>
             <a:endParaRPr lang="pt-BR"/>
           </a:p>
@@ -5947,7 +5947,7 @@
           <a:p>
             <a:fld id="{97326E4E-32F9-4E97-B129-1BFE62BDDD40}" type="datetimeFigureOut">
               <a:rPr lang="pt-BR" smtClean="0"/>
-              <a:t>22/11/2016</a:t>
+              <a:t>24/11/2016</a:t>
             </a:fld>
             <a:endParaRPr lang="pt-BR"/>
           </a:p>
@@ -7932,8 +7932,13 @@
             </a:pPr>
             <a:r>
               <a:rPr lang="pt-BR" dirty="0"/>
-              <a:t>Dedicamos esse trabalho a todos os professores, que durante os últimos quatro anos nos orientaram e guiaram em rumo ao conhecimento.</a:t>
-            </a:r>
+              <a:t>Dedicamos esse trabalho a todos os professores, que durante os últimos quatro anos nos orientaram e guiaram em rumo ao conhecimento</a:t>
+            </a:r>
+            <a:r>
+              <a:rPr lang="pt-BR" dirty="0" smtClean="0"/>
+              <a:t>. </a:t>
+            </a:r>
+            <a:endParaRPr lang="pt-BR" dirty="0"/>
           </a:p>
           <a:p>
             <a:endParaRPr lang="pt-BR" dirty="0"/>
@@ -8643,7 +8648,6 @@
               <a:rPr lang="pt-BR" dirty="0" smtClean="0"/>
               <a:t>?</a:t>
             </a:r>
-            <a:endParaRPr lang="pt-BR" dirty="0" smtClean="0"/>
           </a:p>
         </p:txBody>
       </p:sp>
